--- a/ppt/StreamAPI.pptx
+++ b/ppt/StreamAPI.pptx
@@ -259,7 +259,7 @@
           <a:p>
             <a:fld id="{A73B3874-4EDE-4EDC-B525-8967D0BF9027}" type="datetimeFigureOut">
               <a:rPr lang="en-IN" smtClean="0"/>
-              <a:t>03/06/24</a:t>
+              <a:t>05/06/24</a:t>
             </a:fld>
             <a:endParaRPr lang="en-IN"/>
           </a:p>
@@ -424,7 +424,7 @@
           <a:p>
             <a:fld id="{FBA77E9D-1F26-455B-9FC4-1E2D7C5371B8}" type="datetimeFigureOut">
               <a:rPr lang="en-US" smtClean="0"/>
-              <a:t>6/3/24</a:t>
+              <a:t>6/5/24</a:t>
             </a:fld>
             <a:endParaRPr lang="en-US" dirty="0"/>
           </a:p>
@@ -4835,6 +4835,80 @@
               </a:rPr>
               <a:t>The elements are sorted in natural order unless you pass a custom Comparator.</a:t>
             </a:r>
+          </a:p>
+          <a:p>
+            <a:pPr lvl="1"/>
+            <a:endParaRPr lang="en-US" sz="1600" dirty="0">
+              <a:latin typeface="Arial" panose="020B0604020202020204" pitchFamily="34" charset="0"/>
+              <a:cs typeface="Arial" panose="020B0604020202020204" pitchFamily="34" charset="0"/>
+            </a:endParaRPr>
+          </a:p>
+          <a:p>
+            <a:r>
+              <a:rPr lang="en-US" sz="1600" dirty="0" err="1">
+                <a:latin typeface="Arial" panose="020B0604020202020204" pitchFamily="34" charset="0"/>
+                <a:cs typeface="Arial" panose="020B0604020202020204" pitchFamily="34" charset="0"/>
+              </a:rPr>
+              <a:t>flatMap</a:t>
+            </a:r>
+            <a:r>
+              <a:rPr lang="en-US" sz="1600" dirty="0">
+                <a:latin typeface="Arial" panose="020B0604020202020204" pitchFamily="34" charset="0"/>
+                <a:cs typeface="Arial" panose="020B0604020202020204" pitchFamily="34" charset="0"/>
+              </a:rPr>
+              <a:t>()</a:t>
+            </a:r>
+          </a:p>
+          <a:p>
+            <a:pPr lvl="1"/>
+            <a:r>
+              <a:rPr lang="en-US" sz="1600" dirty="0">
+                <a:latin typeface="Arial" panose="020B0604020202020204" pitchFamily="34" charset="0"/>
+                <a:cs typeface="Arial" panose="020B0604020202020204" pitchFamily="34" charset="0"/>
+              </a:rPr>
+              <a:t>used to flatten a Stream of collections to a Stream of objects.</a:t>
+            </a:r>
+          </a:p>
+          <a:p>
+            <a:pPr lvl="1"/>
+            <a:r>
+              <a:rPr lang="en-US" sz="1600" dirty="0">
+                <a:latin typeface="Arial" panose="020B0604020202020204" pitchFamily="34" charset="0"/>
+                <a:cs typeface="Arial" panose="020B0604020202020204" pitchFamily="34" charset="0"/>
+              </a:rPr>
+              <a:t>Used to convert the 2 levels Stream into one Stream level or a 2d array into a 1d array.</a:t>
+            </a:r>
+          </a:p>
+          <a:p>
+            <a:pPr lvl="1"/>
+            <a:r>
+              <a:rPr lang="en-US" sz="1600" dirty="0">
+                <a:latin typeface="Arial" panose="020B0604020202020204" pitchFamily="34" charset="0"/>
+                <a:cs typeface="Arial" panose="020B0604020202020204" pitchFamily="34" charset="0"/>
+              </a:rPr>
+              <a:t>Stream&lt;Collection&lt;Item&gt;&gt; —-&gt; </a:t>
+            </a:r>
+            <a:r>
+              <a:rPr lang="en-US" sz="1600" dirty="0" err="1">
+                <a:latin typeface="Arial" panose="020B0604020202020204" pitchFamily="34" charset="0"/>
+                <a:cs typeface="Arial" panose="020B0604020202020204" pitchFamily="34" charset="0"/>
+              </a:rPr>
+              <a:t>flatMap</a:t>
+            </a:r>
+            <a:r>
+              <a:rPr lang="en-US" sz="1600">
+                <a:latin typeface="Arial" panose="020B0604020202020204" pitchFamily="34" charset="0"/>
+                <a:cs typeface="Arial" panose="020B0604020202020204" pitchFamily="34" charset="0"/>
+              </a:rPr>
+              <a:t>() —-&gt; Stream&lt;Item&gt;</a:t>
+            </a:r>
+          </a:p>
+          <a:p>
+            <a:pPr lvl="1"/>
+            <a:endParaRPr lang="en-US" sz="1600" dirty="0">
+              <a:latin typeface="Arial" panose="020B0604020202020204" pitchFamily="34" charset="0"/>
+              <a:cs typeface="Arial" panose="020B0604020202020204" pitchFamily="34" charset="0"/>
+            </a:endParaRPr>
           </a:p>
           <a:p>
             <a:pPr lvl="1"/>
@@ -6095,26 +6169,6 @@
 </file>
 
 <file path=customXml/item1.xml><?xml version="1.0" encoding="utf-8"?>
-<?mso-contentType ?>
-<FormTemplates xmlns="http://schemas.microsoft.com/sharepoint/v3/contenttype/forms">
-  <Display>DocumentLibraryForm</Display>
-  <Edit>DocumentLibraryForm</Edit>
-  <New>DocumentLibraryForm</New>
-</FormTemplates>
-</file>
-
-<file path=customXml/item2.xml><?xml version="1.0" encoding="utf-8"?>
-<p:properties xmlns:p="http://schemas.microsoft.com/office/2006/metadata/properties" xmlns:xsi="http://www.w3.org/2001/XMLSchema-instance" xmlns:pc="http://schemas.microsoft.com/office/infopath/2007/PartnerControls">
-  <documentManagement>
-    <Version_x0020_No_x002e_ xmlns="5b0b727f-9d55-4674-90df-9368557459d7">1.0</Version_x0020_No_x002e_>
-    <Document_x0020_Summary xmlns="5b0b727f-9d55-4674-90df-9368557459d7">The blank ppt template is used for preparing presentations  aligned with CitiusTech powerpoint guidelines. </Document_x0020_Summary>
-    <Rel_x0020_Date xmlns="3f0a5add-00cc-4c5e-8a54-6b524d8608b8">2012-11-11T18:30:00+00:00</Rel_x0020_Date>
-    <Version_x0020_No xmlns="5b0b727f-9d55-4674-90df-9368557459d7">1.0</Version_x0020_No>
-  </documentManagement>
-</p:properties>
-</file>
-
-<file path=customXml/item3.xml><?xml version="1.0" encoding="utf-8"?>
 <ct:contentTypeSchema xmlns:ct="http://schemas.microsoft.com/office/2006/metadata/contentType" xmlns:ma="http://schemas.microsoft.com/office/2006/metadata/properties/metaAttributes" ct:_="" ma:_="" ma:contentTypeName="Document" ma:contentTypeID="0x010100A1A300ECBFD16143AC8B3E6881EC19E4" ma:contentTypeVersion="6" ma:contentTypeDescription="Create a new document." ma:contentTypeScope="" ma:versionID="3a3d1758f0533e4a63e0706672344207">
   <xsd:schema xmlns:xsd="http://www.w3.org/2001/XMLSchema" xmlns:xs="http://www.w3.org/2001/XMLSchema" xmlns:p="http://schemas.microsoft.com/office/2006/metadata/properties" xmlns:ns2="5b0b727f-9d55-4674-90df-9368557459d7" xmlns:ns3="3f0a5add-00cc-4c5e-8a54-6b524d8608b8" targetNamespace="http://schemas.microsoft.com/office/2006/metadata/properties" ma:root="true" ma:fieldsID="0b9e00dfdebadb8b416f9476785e5085" ns2:_="" ns3:_="">
     <xsd:import namespace="5b0b727f-9d55-4674-90df-9368557459d7"/>
@@ -6269,10 +6323,41 @@
 </ct:contentTypeSchema>
 </file>
 
+<file path=customXml/item2.xml><?xml version="1.0" encoding="utf-8"?>
+<p:properties xmlns:p="http://schemas.microsoft.com/office/2006/metadata/properties" xmlns:xsi="http://www.w3.org/2001/XMLSchema-instance" xmlns:pc="http://schemas.microsoft.com/office/infopath/2007/PartnerControls">
+  <documentManagement>
+    <Version_x0020_No_x002e_ xmlns="5b0b727f-9d55-4674-90df-9368557459d7">1.0</Version_x0020_No_x002e_>
+    <Document_x0020_Summary xmlns="5b0b727f-9d55-4674-90df-9368557459d7">The blank ppt template is used for preparing presentations  aligned with CitiusTech powerpoint guidelines. </Document_x0020_Summary>
+    <Rel_x0020_Date xmlns="3f0a5add-00cc-4c5e-8a54-6b524d8608b8">2012-11-11T18:30:00+00:00</Rel_x0020_Date>
+    <Version_x0020_No xmlns="5b0b727f-9d55-4674-90df-9368557459d7">1.0</Version_x0020_No>
+  </documentManagement>
+</p:properties>
+</file>
+
+<file path=customXml/item3.xml><?xml version="1.0" encoding="utf-8"?>
+<?mso-contentType ?>
+<FormTemplates xmlns="http://schemas.microsoft.com/sharepoint/v3/contenttype/forms">
+  <Display>DocumentLibraryForm</Display>
+  <Edit>DocumentLibraryForm</Edit>
+  <New>DocumentLibraryForm</New>
+</FormTemplates>
+</file>
+
 <file path=customXml/itemProps1.xml><?xml version="1.0" encoding="utf-8"?>
-<ds:datastoreItem xmlns:ds="http://schemas.openxmlformats.org/officeDocument/2006/customXml" ds:itemID="{2215CF3E-B7B2-4757-A9A7-BF8CDE2155B6}">
+<ds:datastoreItem xmlns:ds="http://schemas.openxmlformats.org/officeDocument/2006/customXml" ds:itemID="{20271C12-EDC3-4E9F-917F-B5906E905FBC}">
   <ds:schemaRefs>
-    <ds:schemaRef ds:uri="http://schemas.microsoft.com/sharepoint/v3/contenttype/forms"/>
+    <ds:schemaRef ds:uri="http://schemas.microsoft.com/office/2006/metadata/contentType"/>
+    <ds:schemaRef ds:uri="http://schemas.microsoft.com/office/2006/metadata/properties/metaAttributes"/>
+    <ds:schemaRef ds:uri="http://www.w3.org/2001/XMLSchema"/>
+    <ds:schemaRef ds:uri="http://schemas.microsoft.com/office/2006/metadata/properties"/>
+    <ds:schemaRef ds:uri="5b0b727f-9d55-4674-90df-9368557459d7"/>
+    <ds:schemaRef ds:uri="3f0a5add-00cc-4c5e-8a54-6b524d8608b8"/>
+    <ds:schemaRef ds:uri="http://schemas.microsoft.com/office/2006/documentManagement/types"/>
+    <ds:schemaRef ds:uri="http://schemas.microsoft.com/office/infopath/2007/PartnerControls"/>
+    <ds:schemaRef ds:uri="http://schemas.openxmlformats.org/package/2006/metadata/core-properties"/>
+    <ds:schemaRef ds:uri="http://purl.org/dc/elements/1.1/"/>
+    <ds:schemaRef ds:uri="http://purl.org/dc/terms/"/>
+    <ds:schemaRef ds:uri="http://schemas.microsoft.com/internal/obd"/>
   </ds:schemaRefs>
 </ds:datastoreItem>
 </file>
@@ -6295,20 +6380,9 @@
 </file>
 
 <file path=customXml/itemProps3.xml><?xml version="1.0" encoding="utf-8"?>
-<ds:datastoreItem xmlns:ds="http://schemas.openxmlformats.org/officeDocument/2006/customXml" ds:itemID="{20271C12-EDC3-4E9F-917F-B5906E905FBC}">
+<ds:datastoreItem xmlns:ds="http://schemas.openxmlformats.org/officeDocument/2006/customXml" ds:itemID="{2215CF3E-B7B2-4757-A9A7-BF8CDE2155B6}">
   <ds:schemaRefs>
-    <ds:schemaRef ds:uri="http://schemas.microsoft.com/office/2006/metadata/contentType"/>
-    <ds:schemaRef ds:uri="http://schemas.microsoft.com/office/2006/metadata/properties/metaAttributes"/>
-    <ds:schemaRef ds:uri="http://www.w3.org/2001/XMLSchema"/>
-    <ds:schemaRef ds:uri="http://schemas.microsoft.com/office/2006/metadata/properties"/>
-    <ds:schemaRef ds:uri="5b0b727f-9d55-4674-90df-9368557459d7"/>
-    <ds:schemaRef ds:uri="3f0a5add-00cc-4c5e-8a54-6b524d8608b8"/>
-    <ds:schemaRef ds:uri="http://schemas.microsoft.com/office/2006/documentManagement/types"/>
-    <ds:schemaRef ds:uri="http://schemas.microsoft.com/office/infopath/2007/PartnerControls"/>
-    <ds:schemaRef ds:uri="http://schemas.openxmlformats.org/package/2006/metadata/core-properties"/>
-    <ds:schemaRef ds:uri="http://purl.org/dc/elements/1.1/"/>
-    <ds:schemaRef ds:uri="http://purl.org/dc/terms/"/>
-    <ds:schemaRef ds:uri="http://schemas.microsoft.com/internal/obd"/>
+    <ds:schemaRef ds:uri="http://schemas.microsoft.com/sharepoint/v3/contenttype/forms"/>
   </ds:schemaRefs>
 </ds:datastoreItem>
 </file>